--- a/d3.pptx
+++ b/d3.pptx
@@ -267,7 +267,7 @@
           <a:p>
             <a:fld id="{C63AB1AA-5533-407D-90A1-EEEBD5BC149A}" type="datetimeFigureOut">
               <a:rPr lang="zh-CN" altLang="en-US" smtClean="0"/>
-              <a:t>2020/11/22</a:t>
+              <a:t>2020/11/23</a:t>
             </a:fld>
             <a:endParaRPr lang="zh-CN" altLang="en-US"/>
           </a:p>
@@ -465,7 +465,7 @@
           <a:p>
             <a:fld id="{C63AB1AA-5533-407D-90A1-EEEBD5BC149A}" type="datetimeFigureOut">
               <a:rPr lang="zh-CN" altLang="en-US" smtClean="0"/>
-              <a:t>2020/11/22</a:t>
+              <a:t>2020/11/23</a:t>
             </a:fld>
             <a:endParaRPr lang="zh-CN" altLang="en-US"/>
           </a:p>
@@ -673,7 +673,7 @@
           <a:p>
             <a:fld id="{C63AB1AA-5533-407D-90A1-EEEBD5BC149A}" type="datetimeFigureOut">
               <a:rPr lang="zh-CN" altLang="en-US" smtClean="0"/>
-              <a:t>2020/11/22</a:t>
+              <a:t>2020/11/23</a:t>
             </a:fld>
             <a:endParaRPr lang="zh-CN" altLang="en-US"/>
           </a:p>
@@ -871,7 +871,7 @@
           <a:p>
             <a:fld id="{C63AB1AA-5533-407D-90A1-EEEBD5BC149A}" type="datetimeFigureOut">
               <a:rPr lang="zh-CN" altLang="en-US" smtClean="0"/>
-              <a:t>2020/11/22</a:t>
+              <a:t>2020/11/23</a:t>
             </a:fld>
             <a:endParaRPr lang="zh-CN" altLang="en-US"/>
           </a:p>
@@ -1146,7 +1146,7 @@
           <a:p>
             <a:fld id="{C63AB1AA-5533-407D-90A1-EEEBD5BC149A}" type="datetimeFigureOut">
               <a:rPr lang="zh-CN" altLang="en-US" smtClean="0"/>
-              <a:t>2020/11/22</a:t>
+              <a:t>2020/11/23</a:t>
             </a:fld>
             <a:endParaRPr lang="zh-CN" altLang="en-US"/>
           </a:p>
@@ -1411,7 +1411,7 @@
           <a:p>
             <a:fld id="{C63AB1AA-5533-407D-90A1-EEEBD5BC149A}" type="datetimeFigureOut">
               <a:rPr lang="zh-CN" altLang="en-US" smtClean="0"/>
-              <a:t>2020/11/22</a:t>
+              <a:t>2020/11/23</a:t>
             </a:fld>
             <a:endParaRPr lang="zh-CN" altLang="en-US"/>
           </a:p>
@@ -1823,7 +1823,7 @@
           <a:p>
             <a:fld id="{C63AB1AA-5533-407D-90A1-EEEBD5BC149A}" type="datetimeFigureOut">
               <a:rPr lang="zh-CN" altLang="en-US" smtClean="0"/>
-              <a:t>2020/11/22</a:t>
+              <a:t>2020/11/23</a:t>
             </a:fld>
             <a:endParaRPr lang="zh-CN" altLang="en-US"/>
           </a:p>
@@ -1964,7 +1964,7 @@
           <a:p>
             <a:fld id="{C63AB1AA-5533-407D-90A1-EEEBD5BC149A}" type="datetimeFigureOut">
               <a:rPr lang="zh-CN" altLang="en-US" smtClean="0"/>
-              <a:t>2020/11/22</a:t>
+              <a:t>2020/11/23</a:t>
             </a:fld>
             <a:endParaRPr lang="zh-CN" altLang="en-US"/>
           </a:p>
@@ -2077,7 +2077,7 @@
           <a:p>
             <a:fld id="{C63AB1AA-5533-407D-90A1-EEEBD5BC149A}" type="datetimeFigureOut">
               <a:rPr lang="zh-CN" altLang="en-US" smtClean="0"/>
-              <a:t>2020/11/22</a:t>
+              <a:t>2020/11/23</a:t>
             </a:fld>
             <a:endParaRPr lang="zh-CN" altLang="en-US"/>
           </a:p>
@@ -2388,7 +2388,7 @@
           <a:p>
             <a:fld id="{C63AB1AA-5533-407D-90A1-EEEBD5BC149A}" type="datetimeFigureOut">
               <a:rPr lang="zh-CN" altLang="en-US" smtClean="0"/>
-              <a:t>2020/11/22</a:t>
+              <a:t>2020/11/23</a:t>
             </a:fld>
             <a:endParaRPr lang="zh-CN" altLang="en-US"/>
           </a:p>
@@ -2676,7 +2676,7 @@
           <a:p>
             <a:fld id="{C63AB1AA-5533-407D-90A1-EEEBD5BC149A}" type="datetimeFigureOut">
               <a:rPr lang="zh-CN" altLang="en-US" smtClean="0"/>
-              <a:t>2020/11/22</a:t>
+              <a:t>2020/11/23</a:t>
             </a:fld>
             <a:endParaRPr lang="zh-CN" altLang="en-US"/>
           </a:p>
@@ -2917,7 +2917,7 @@
           <a:p>
             <a:fld id="{C63AB1AA-5533-407D-90A1-EEEBD5BC149A}" type="datetimeFigureOut">
               <a:rPr lang="zh-CN" altLang="en-US" smtClean="0"/>
-              <a:t>2020/11/22</a:t>
+              <a:t>2020/11/23</a:t>
             </a:fld>
             <a:endParaRPr lang="zh-CN" altLang="en-US"/>
           </a:p>
@@ -3978,6 +3978,17 @@
             </a:r>
           </a:p>
           <a:p>
+            <a:pPr marL="457200" lvl="1" indent="0">
+              <a:buNone/>
+            </a:pPr>
+            <a:r>
+              <a:rPr lang="en-US" altLang="zh-CN" dirty="0" smtClean="0"/>
+              <a:t>D3-selection: d3</a:t>
+            </a:r>
+            <a:r>
+              <a:rPr lang="zh-CN" altLang="en-US" dirty="0" smtClean="0"/>
+              <a:t>选择器</a:t>
+            </a:r>
             <a:endParaRPr lang="en-US" altLang="zh-CN" dirty="0"/>
           </a:p>
           <a:p>

--- a/d3.pptx
+++ b/d3.pptx
@@ -10,10 +10,10 @@
     <p:sldId id="257" r:id="rId4"/>
     <p:sldId id="258" r:id="rId5"/>
     <p:sldId id="260" r:id="rId6"/>
-    <p:sldId id="259" r:id="rId7"/>
-    <p:sldId id="262" r:id="rId8"/>
-    <p:sldId id="263" r:id="rId9"/>
-    <p:sldId id="264" r:id="rId10"/>
+    <p:sldId id="263" r:id="rId7"/>
+    <p:sldId id="264" r:id="rId8"/>
+    <p:sldId id="259" r:id="rId9"/>
+    <p:sldId id="262" r:id="rId10"/>
   </p:sldIdLst>
   <p:sldSz cx="12192000" cy="6858000"/>
   <p:notesSz cx="6858000" cy="9144000"/>
@@ -267,7 +267,7 @@
           <a:p>
             <a:fld id="{C63AB1AA-5533-407D-90A1-EEEBD5BC149A}" type="datetimeFigureOut">
               <a:rPr lang="zh-CN" altLang="en-US" smtClean="0"/>
-              <a:t>2020/11/23</a:t>
+              <a:t>2020/11/24</a:t>
             </a:fld>
             <a:endParaRPr lang="zh-CN" altLang="en-US"/>
           </a:p>
@@ -465,7 +465,7 @@
           <a:p>
             <a:fld id="{C63AB1AA-5533-407D-90A1-EEEBD5BC149A}" type="datetimeFigureOut">
               <a:rPr lang="zh-CN" altLang="en-US" smtClean="0"/>
-              <a:t>2020/11/23</a:t>
+              <a:t>2020/11/24</a:t>
             </a:fld>
             <a:endParaRPr lang="zh-CN" altLang="en-US"/>
           </a:p>
@@ -673,7 +673,7 @@
           <a:p>
             <a:fld id="{C63AB1AA-5533-407D-90A1-EEEBD5BC149A}" type="datetimeFigureOut">
               <a:rPr lang="zh-CN" altLang="en-US" smtClean="0"/>
-              <a:t>2020/11/23</a:t>
+              <a:t>2020/11/24</a:t>
             </a:fld>
             <a:endParaRPr lang="zh-CN" altLang="en-US"/>
           </a:p>
@@ -871,7 +871,7 @@
           <a:p>
             <a:fld id="{C63AB1AA-5533-407D-90A1-EEEBD5BC149A}" type="datetimeFigureOut">
               <a:rPr lang="zh-CN" altLang="en-US" smtClean="0"/>
-              <a:t>2020/11/23</a:t>
+              <a:t>2020/11/24</a:t>
             </a:fld>
             <a:endParaRPr lang="zh-CN" altLang="en-US"/>
           </a:p>
@@ -1146,7 +1146,7 @@
           <a:p>
             <a:fld id="{C63AB1AA-5533-407D-90A1-EEEBD5BC149A}" type="datetimeFigureOut">
               <a:rPr lang="zh-CN" altLang="en-US" smtClean="0"/>
-              <a:t>2020/11/23</a:t>
+              <a:t>2020/11/24</a:t>
             </a:fld>
             <a:endParaRPr lang="zh-CN" altLang="en-US"/>
           </a:p>
@@ -1411,7 +1411,7 @@
           <a:p>
             <a:fld id="{C63AB1AA-5533-407D-90A1-EEEBD5BC149A}" type="datetimeFigureOut">
               <a:rPr lang="zh-CN" altLang="en-US" smtClean="0"/>
-              <a:t>2020/11/23</a:t>
+              <a:t>2020/11/24</a:t>
             </a:fld>
             <a:endParaRPr lang="zh-CN" altLang="en-US"/>
           </a:p>
@@ -1823,7 +1823,7 @@
           <a:p>
             <a:fld id="{C63AB1AA-5533-407D-90A1-EEEBD5BC149A}" type="datetimeFigureOut">
               <a:rPr lang="zh-CN" altLang="en-US" smtClean="0"/>
-              <a:t>2020/11/23</a:t>
+              <a:t>2020/11/24</a:t>
             </a:fld>
             <a:endParaRPr lang="zh-CN" altLang="en-US"/>
           </a:p>
@@ -1964,7 +1964,7 @@
           <a:p>
             <a:fld id="{C63AB1AA-5533-407D-90A1-EEEBD5BC149A}" type="datetimeFigureOut">
               <a:rPr lang="zh-CN" altLang="en-US" smtClean="0"/>
-              <a:t>2020/11/23</a:t>
+              <a:t>2020/11/24</a:t>
             </a:fld>
             <a:endParaRPr lang="zh-CN" altLang="en-US"/>
           </a:p>
@@ -2077,7 +2077,7 @@
           <a:p>
             <a:fld id="{C63AB1AA-5533-407D-90A1-EEEBD5BC149A}" type="datetimeFigureOut">
               <a:rPr lang="zh-CN" altLang="en-US" smtClean="0"/>
-              <a:t>2020/11/23</a:t>
+              <a:t>2020/11/24</a:t>
             </a:fld>
             <a:endParaRPr lang="zh-CN" altLang="en-US"/>
           </a:p>
@@ -2388,7 +2388,7 @@
           <a:p>
             <a:fld id="{C63AB1AA-5533-407D-90A1-EEEBD5BC149A}" type="datetimeFigureOut">
               <a:rPr lang="zh-CN" altLang="en-US" smtClean="0"/>
-              <a:t>2020/11/23</a:t>
+              <a:t>2020/11/24</a:t>
             </a:fld>
             <a:endParaRPr lang="zh-CN" altLang="en-US"/>
           </a:p>
@@ -2676,7 +2676,7 @@
           <a:p>
             <a:fld id="{C63AB1AA-5533-407D-90A1-EEEBD5BC149A}" type="datetimeFigureOut">
               <a:rPr lang="zh-CN" altLang="en-US" smtClean="0"/>
-              <a:t>2020/11/23</a:t>
+              <a:t>2020/11/24</a:t>
             </a:fld>
             <a:endParaRPr lang="zh-CN" altLang="en-US"/>
           </a:p>
@@ -2917,7 +2917,7 @@
           <a:p>
             <a:fld id="{C63AB1AA-5533-407D-90A1-EEEBD5BC149A}" type="datetimeFigureOut">
               <a:rPr lang="zh-CN" altLang="en-US" smtClean="0"/>
-              <a:t>2020/11/23</a:t>
+              <a:t>2020/11/24</a:t>
             </a:fld>
             <a:endParaRPr lang="zh-CN" altLang="en-US"/>
           </a:p>
@@ -4074,6 +4074,250 @@
           <p:cNvPr id="2" name="标题 1">
             <a:extLst>
               <a:ext uri="{FF2B5EF4-FFF2-40B4-BE49-F238E27FC236}">
+                <a16:creationId xmlns:a16="http://schemas.microsoft.com/office/drawing/2014/main" id="{8F7B7511-1540-48BA-8494-BDECE78B014C}"/>
+              </a:ext>
+            </a:extLst>
+          </p:cNvPr>
+          <p:cNvSpPr>
+            <a:spLocks noGrp="1"/>
+          </p:cNvSpPr>
+          <p:nvPr>
+            <p:ph type="title"/>
+          </p:nvPr>
+        </p:nvSpPr>
+        <p:spPr>
+          <a:xfrm>
+            <a:off x="838200" y="406688"/>
+            <a:ext cx="10515600" cy="1325563"/>
+          </a:xfrm>
+        </p:spPr>
+        <p:txBody>
+          <a:bodyPr/>
+          <a:lstStyle/>
+          <a:p>
+            <a:r>
+              <a:rPr lang="zh-CN" altLang="en-US" dirty="0"/>
+              <a:t>折线图</a:t>
+            </a:r>
+          </a:p>
+        </p:txBody>
+      </p:sp>
+      <p:pic>
+        <p:nvPicPr>
+          <p:cNvPr id="5" name="内容占位符 4">
+            <a:extLst>
+              <a:ext uri="{FF2B5EF4-FFF2-40B4-BE49-F238E27FC236}">
+                <a16:creationId xmlns:a16="http://schemas.microsoft.com/office/drawing/2014/main" id="{92580ECD-E3D1-4688-AB68-E600DDF73D2A}"/>
+              </a:ext>
+            </a:extLst>
+          </p:cNvPr>
+          <p:cNvPicPr>
+            <a:picLocks noGrp="1" noChangeAspect="1"/>
+          </p:cNvPicPr>
+          <p:nvPr>
+            <p:ph idx="1"/>
+          </p:nvPr>
+        </p:nvPicPr>
+        <p:blipFill>
+          <a:blip r:embed="rId2"/>
+          <a:stretch>
+            <a:fillRect/>
+          </a:stretch>
+        </p:blipFill>
+        <p:spPr>
+          <a:xfrm>
+            <a:off x="3022442" y="1946963"/>
+            <a:ext cx="6147116" cy="4108661"/>
+          </a:xfrm>
+        </p:spPr>
+      </p:pic>
+    </p:spTree>
+    <p:extLst>
+      <p:ext uri="{BB962C8B-B14F-4D97-AF65-F5344CB8AC3E}">
+        <p14:creationId xmlns:p14="http://schemas.microsoft.com/office/powerpoint/2010/main" val="1691414110"/>
+      </p:ext>
+    </p:extLst>
+  </p:cSld>
+  <p:clrMapOvr>
+    <a:masterClrMapping/>
+  </p:clrMapOvr>
+</p:sld>
+</file>
+
+<file path=ppt/slides/slide7.xml><?xml version="1.0" encoding="utf-8"?>
+<p:sld xmlns:a="http://schemas.openxmlformats.org/drawingml/2006/main" xmlns:r="http://schemas.openxmlformats.org/officeDocument/2006/relationships" xmlns:p="http://schemas.openxmlformats.org/presentationml/2006/main">
+  <p:cSld>
+    <p:spTree>
+      <p:nvGrpSpPr>
+        <p:cNvPr id="1" name=""/>
+        <p:cNvGrpSpPr/>
+        <p:nvPr/>
+      </p:nvGrpSpPr>
+      <p:grpSpPr>
+        <a:xfrm>
+          <a:off x="0" y="0"/>
+          <a:ext cx="0" cy="0"/>
+          <a:chOff x="0" y="0"/>
+          <a:chExt cx="0" cy="0"/>
+        </a:xfrm>
+      </p:grpSpPr>
+      <p:sp>
+        <p:nvSpPr>
+          <p:cNvPr id="2" name="标题 1">
+            <a:extLst>
+              <a:ext uri="{FF2B5EF4-FFF2-40B4-BE49-F238E27FC236}">
+                <a16:creationId xmlns:a16="http://schemas.microsoft.com/office/drawing/2014/main" id="{3A589003-6EC0-4C1A-AEA7-A63216A4ECE8}"/>
+              </a:ext>
+            </a:extLst>
+          </p:cNvPr>
+          <p:cNvSpPr>
+            <a:spLocks noGrp="1"/>
+          </p:cNvSpPr>
+          <p:nvPr>
+            <p:ph type="title"/>
+          </p:nvPr>
+        </p:nvSpPr>
+        <p:spPr/>
+        <p:txBody>
+          <a:bodyPr/>
+          <a:lstStyle/>
+          <a:p>
+            <a:r>
+              <a:rPr lang="zh-CN" altLang="en-US" dirty="0"/>
+              <a:t>柱状图</a:t>
+            </a:r>
+          </a:p>
+        </p:txBody>
+      </p:sp>
+      <p:sp>
+        <p:nvSpPr>
+          <p:cNvPr id="3" name="内容占位符 2">
+            <a:extLst>
+              <a:ext uri="{FF2B5EF4-FFF2-40B4-BE49-F238E27FC236}">
+                <a16:creationId xmlns:a16="http://schemas.microsoft.com/office/drawing/2014/main" id="{4046E2DC-1A53-47E8-BD32-E601E75595E9}"/>
+              </a:ext>
+            </a:extLst>
+          </p:cNvPr>
+          <p:cNvSpPr>
+            <a:spLocks noGrp="1"/>
+          </p:cNvSpPr>
+          <p:nvPr>
+            <p:ph idx="1"/>
+          </p:nvPr>
+        </p:nvSpPr>
+        <p:spPr/>
+        <p:txBody>
+          <a:bodyPr/>
+          <a:lstStyle/>
+          <a:p>
+            <a:r>
+              <a:rPr lang="en-US" altLang="zh-CN" dirty="0" err="1"/>
+              <a:t>Svg</a:t>
+            </a:r>
+            <a:endParaRPr lang="en-US" altLang="zh-CN" dirty="0"/>
+          </a:p>
+          <a:p>
+            <a:endParaRPr lang="en-US" altLang="zh-CN" dirty="0"/>
+          </a:p>
+          <a:p>
+            <a:pPr marL="457200" lvl="1" indent="0">
+              <a:buNone/>
+            </a:pPr>
+            <a:r>
+              <a:rPr lang="en-US" altLang="zh-CN" dirty="0"/>
+              <a:t>g: </a:t>
+            </a:r>
+            <a:r>
+              <a:rPr lang="zh-CN" altLang="en-US" dirty="0"/>
+              <a:t>分组（图层）</a:t>
+            </a:r>
+            <a:endParaRPr lang="en-US" altLang="zh-CN" dirty="0"/>
+          </a:p>
+          <a:p>
+            <a:pPr marL="457200" lvl="1" indent="0">
+              <a:buNone/>
+            </a:pPr>
+            <a:r>
+              <a:rPr lang="en-US" altLang="zh-CN" dirty="0" err="1"/>
+              <a:t>rect</a:t>
+            </a:r>
+            <a:r>
+              <a:rPr lang="en-US" altLang="zh-CN" dirty="0"/>
+              <a:t>: </a:t>
+            </a:r>
+            <a:r>
+              <a:rPr lang="zh-CN" altLang="en-US" dirty="0"/>
+              <a:t>矩形 </a:t>
+            </a:r>
+            <a:r>
+              <a:rPr lang="en-US" altLang="zh-CN" sz="1400" dirty="0">
+                <a:hlinkClick r:id="rId2"/>
+              </a:rPr>
+              <a:t>https://www.d3js.org.cn/svg/get_start/#_2-%E7%9F%A9%E5%BD%A2</a:t>
+            </a:r>
+            <a:endParaRPr lang="en-US" altLang="zh-CN" sz="1400" dirty="0"/>
+          </a:p>
+          <a:p>
+            <a:pPr marL="457200" lvl="1" indent="0">
+              <a:buNone/>
+            </a:pPr>
+            <a:endParaRPr lang="en-US" altLang="zh-CN" dirty="0"/>
+          </a:p>
+          <a:p>
+            <a:r>
+              <a:rPr lang="en-US" altLang="zh-CN" dirty="0"/>
+              <a:t>D3</a:t>
+            </a:r>
+          </a:p>
+          <a:p>
+            <a:pPr lvl="1"/>
+            <a:r>
+              <a:rPr lang="en-US" altLang="zh-CN" dirty="0"/>
+              <a:t>Line </a:t>
+            </a:r>
+            <a:r>
+              <a:rPr lang="zh-CN" altLang="en-US" dirty="0"/>
+              <a:t>线条生成器</a:t>
+            </a:r>
+            <a:endParaRPr lang="en-US" altLang="zh-CN" dirty="0"/>
+          </a:p>
+        </p:txBody>
+      </p:sp>
+    </p:spTree>
+    <p:extLst>
+      <p:ext uri="{BB962C8B-B14F-4D97-AF65-F5344CB8AC3E}">
+        <p14:creationId xmlns:p14="http://schemas.microsoft.com/office/powerpoint/2010/main" val="2479781013"/>
+      </p:ext>
+    </p:extLst>
+  </p:cSld>
+  <p:clrMapOvr>
+    <a:masterClrMapping/>
+  </p:clrMapOvr>
+</p:sld>
+</file>
+
+<file path=ppt/slides/slide8.xml><?xml version="1.0" encoding="utf-8"?>
+<p:sld xmlns:a="http://schemas.openxmlformats.org/drawingml/2006/main" xmlns:r="http://schemas.openxmlformats.org/officeDocument/2006/relationships" xmlns:p="http://schemas.openxmlformats.org/presentationml/2006/main">
+  <p:cSld>
+    <p:spTree>
+      <p:nvGrpSpPr>
+        <p:cNvPr id="1" name=""/>
+        <p:cNvGrpSpPr/>
+        <p:nvPr/>
+      </p:nvGrpSpPr>
+      <p:grpSpPr>
+        <a:xfrm>
+          <a:off x="0" y="0"/>
+          <a:ext cx="0" cy="0"/>
+          <a:chOff x="0" y="0"/>
+          <a:chExt cx="0" cy="0"/>
+        </a:xfrm>
+      </p:grpSpPr>
+      <p:sp>
+        <p:nvSpPr>
+          <p:cNvPr id="2" name="标题 1">
+            <a:extLst>
+              <a:ext uri="{FF2B5EF4-FFF2-40B4-BE49-F238E27FC236}">
                 <a16:creationId xmlns:a16="http://schemas.microsoft.com/office/drawing/2014/main" id="{BAF38C1D-C4DC-4B00-9DC6-57805E2BAF93}"/>
               </a:ext>
             </a:extLst>
@@ -4139,315 +4383,6 @@
 </p:sld>
 </file>
 
-<file path=ppt/slides/slide7.xml><?xml version="1.0" encoding="utf-8"?>
-<p:sld xmlns:a="http://schemas.openxmlformats.org/drawingml/2006/main" xmlns:r="http://schemas.openxmlformats.org/officeDocument/2006/relationships" xmlns:p="http://schemas.openxmlformats.org/presentationml/2006/main">
-  <p:cSld>
-    <p:spTree>
-      <p:nvGrpSpPr>
-        <p:cNvPr id="1" name=""/>
-        <p:cNvGrpSpPr/>
-        <p:nvPr/>
-      </p:nvGrpSpPr>
-      <p:grpSpPr>
-        <a:xfrm>
-          <a:off x="0" y="0"/>
-          <a:ext cx="0" cy="0"/>
-          <a:chOff x="0" y="0"/>
-          <a:chExt cx="0" cy="0"/>
-        </a:xfrm>
-      </p:grpSpPr>
-      <p:sp>
-        <p:nvSpPr>
-          <p:cNvPr id="2" name="标题 1">
-            <a:extLst>
-              <a:ext uri="{FF2B5EF4-FFF2-40B4-BE49-F238E27FC236}">
-                <a16:creationId xmlns:a16="http://schemas.microsoft.com/office/drawing/2014/main" id="{488885FB-9D30-4CAF-86A4-D37C5F0CC44A}"/>
-              </a:ext>
-            </a:extLst>
-          </p:cNvPr>
-          <p:cNvSpPr>
-            <a:spLocks noGrp="1"/>
-          </p:cNvSpPr>
-          <p:nvPr>
-            <p:ph type="title"/>
-          </p:nvPr>
-        </p:nvSpPr>
-        <p:spPr/>
-        <p:txBody>
-          <a:bodyPr/>
-          <a:lstStyle/>
-          <a:p>
-            <a:r>
-              <a:rPr lang="zh-CN" altLang="en-US" dirty="0"/>
-              <a:t>饼状图</a:t>
-            </a:r>
-          </a:p>
-        </p:txBody>
-      </p:sp>
-      <p:sp>
-        <p:nvSpPr>
-          <p:cNvPr id="3" name="内容占位符 2">
-            <a:extLst>
-              <a:ext uri="{FF2B5EF4-FFF2-40B4-BE49-F238E27FC236}">
-                <a16:creationId xmlns:a16="http://schemas.microsoft.com/office/drawing/2014/main" id="{D9798CB1-82CA-42DC-AD5F-28997A99E550}"/>
-              </a:ext>
-            </a:extLst>
-          </p:cNvPr>
-          <p:cNvSpPr>
-            <a:spLocks noGrp="1"/>
-          </p:cNvSpPr>
-          <p:nvPr>
-            <p:ph idx="1"/>
-          </p:nvPr>
-        </p:nvSpPr>
-        <p:spPr/>
-        <p:txBody>
-          <a:bodyPr/>
-          <a:lstStyle/>
-          <a:p>
-            <a:pPr marL="0" indent="0">
-              <a:buNone/>
-            </a:pPr>
-            <a:r>
-              <a:rPr lang="en-US" altLang="zh-CN" dirty="0" err="1">
-                <a:latin typeface="Consolas" panose="020B0609020204030204" pitchFamily="49" charset="0"/>
-              </a:rPr>
-              <a:t>Svg</a:t>
-            </a:r>
-            <a:endParaRPr lang="en-US" altLang="zh-CN" dirty="0">
-              <a:latin typeface="Consolas" panose="020B0609020204030204" pitchFamily="49" charset="0"/>
-            </a:endParaRPr>
-          </a:p>
-          <a:p>
-            <a:pPr marL="914400" lvl="2" indent="0">
-              <a:buNone/>
-            </a:pPr>
-            <a:r>
-              <a:rPr lang="en-US" altLang="zh-CN" sz="2800" dirty="0">
-                <a:latin typeface="Consolas" panose="020B0609020204030204" pitchFamily="49" charset="0"/>
-              </a:rPr>
-              <a:t>Polyline </a:t>
-            </a:r>
-            <a:r>
-              <a:rPr lang="zh-CN" altLang="en-US" sz="2800" dirty="0">
-                <a:latin typeface="Consolas" panose="020B0609020204030204" pitchFamily="49" charset="0"/>
-              </a:rPr>
-              <a:t>线段</a:t>
-            </a:r>
-            <a:endParaRPr lang="en-US" altLang="zh-CN" sz="2800" dirty="0">
-              <a:latin typeface="Consolas" panose="020B0609020204030204" pitchFamily="49" charset="0"/>
-            </a:endParaRPr>
-          </a:p>
-          <a:p>
-            <a:pPr marL="914400" lvl="2" indent="0">
-              <a:buNone/>
-            </a:pPr>
-            <a:r>
-              <a:rPr lang="en-US" altLang="zh-CN" sz="2800" dirty="0">
-                <a:latin typeface="Consolas" panose="020B0609020204030204" pitchFamily="49" charset="0"/>
-              </a:rPr>
-              <a:t>Path </a:t>
-            </a:r>
-            <a:r>
-              <a:rPr lang="zh-CN" altLang="en-US" sz="2800" dirty="0">
-                <a:latin typeface="Consolas" panose="020B0609020204030204" pitchFamily="49" charset="0"/>
-              </a:rPr>
-              <a:t>路径</a:t>
-            </a:r>
-            <a:endParaRPr lang="en-US" altLang="zh-CN" sz="2800" dirty="0">
-              <a:latin typeface="Consolas" panose="020B0609020204030204" pitchFamily="49" charset="0"/>
-            </a:endParaRPr>
-          </a:p>
-          <a:p>
-            <a:pPr marL="457200" lvl="1" indent="0">
-              <a:buNone/>
-            </a:pPr>
-            <a:endParaRPr lang="en-US" altLang="zh-CN" dirty="0">
-              <a:latin typeface="Consolas" panose="020B0609020204030204" pitchFamily="49" charset="0"/>
-            </a:endParaRPr>
-          </a:p>
-          <a:p>
-            <a:pPr marL="0" indent="0">
-              <a:buNone/>
-            </a:pPr>
-            <a:r>
-              <a:rPr lang="en-US" altLang="zh-CN" b="0" dirty="0">
-                <a:effectLst/>
-                <a:latin typeface="Consolas" panose="020B0609020204030204" pitchFamily="49" charset="0"/>
-              </a:rPr>
-              <a:t>D3</a:t>
-            </a:r>
-          </a:p>
-          <a:p>
-            <a:pPr marL="0" indent="0">
-              <a:buNone/>
-            </a:pPr>
-            <a:r>
-              <a:rPr lang="en-US" altLang="zh-CN" dirty="0">
-                <a:latin typeface="Consolas" panose="020B0609020204030204" pitchFamily="49" charset="0"/>
-              </a:rPr>
-              <a:t>	arc </a:t>
-            </a:r>
-            <a:r>
-              <a:rPr lang="zh-CN" altLang="en-US" dirty="0">
-                <a:latin typeface="Consolas" panose="020B0609020204030204" pitchFamily="49" charset="0"/>
-              </a:rPr>
-              <a:t>弧形生成器</a:t>
-            </a:r>
-            <a:endParaRPr lang="en-US" altLang="zh-CN" dirty="0">
-              <a:latin typeface="Consolas" panose="020B0609020204030204" pitchFamily="49" charset="0"/>
-            </a:endParaRPr>
-          </a:p>
-          <a:p>
-            <a:pPr marL="0" indent="0">
-              <a:buNone/>
-            </a:pPr>
-            <a:r>
-              <a:rPr lang="en-US" altLang="zh-CN" b="0" dirty="0">
-                <a:effectLst/>
-                <a:latin typeface="Consolas" panose="020B0609020204030204" pitchFamily="49" charset="0"/>
-              </a:rPr>
-              <a:t>	pie </a:t>
-            </a:r>
-            <a:r>
-              <a:rPr lang="zh-CN" altLang="en-US" dirty="0">
-                <a:latin typeface="Consolas" panose="020B0609020204030204" pitchFamily="49" charset="0"/>
-              </a:rPr>
-              <a:t>角度信息生成器</a:t>
-            </a:r>
-            <a:endParaRPr lang="en-US" altLang="zh-CN" b="0" dirty="0">
-              <a:effectLst/>
-              <a:latin typeface="Consolas" panose="020B0609020204030204" pitchFamily="49" charset="0"/>
-            </a:endParaRPr>
-          </a:p>
-          <a:p>
-            <a:pPr marL="0" indent="0">
-              <a:buNone/>
-            </a:pPr>
-            <a:r>
-              <a:rPr lang="en-US" altLang="zh-CN" dirty="0">
-                <a:latin typeface="Consolas" panose="020B0609020204030204" pitchFamily="49" charset="0"/>
-              </a:rPr>
-              <a:t>	</a:t>
-            </a:r>
-            <a:endParaRPr lang="en-US" altLang="zh-CN" b="0" dirty="0">
-              <a:effectLst/>
-              <a:latin typeface="Consolas" panose="020B0609020204030204" pitchFamily="49" charset="0"/>
-            </a:endParaRPr>
-          </a:p>
-          <a:p>
-            <a:pPr marL="0" indent="0">
-              <a:buNone/>
-            </a:pPr>
-            <a:endParaRPr lang="zh-CN" altLang="en-US" dirty="0"/>
-          </a:p>
-        </p:txBody>
-      </p:sp>
-    </p:spTree>
-    <p:extLst>
-      <p:ext uri="{BB962C8B-B14F-4D97-AF65-F5344CB8AC3E}">
-        <p14:creationId xmlns:p14="http://schemas.microsoft.com/office/powerpoint/2010/main" val="3020139620"/>
-      </p:ext>
-    </p:extLst>
-  </p:cSld>
-  <p:clrMapOvr>
-    <a:masterClrMapping/>
-  </p:clrMapOvr>
-</p:sld>
-</file>
-
-<file path=ppt/slides/slide8.xml><?xml version="1.0" encoding="utf-8"?>
-<p:sld xmlns:a="http://schemas.openxmlformats.org/drawingml/2006/main" xmlns:r="http://schemas.openxmlformats.org/officeDocument/2006/relationships" xmlns:p="http://schemas.openxmlformats.org/presentationml/2006/main">
-  <p:cSld>
-    <p:spTree>
-      <p:nvGrpSpPr>
-        <p:cNvPr id="1" name=""/>
-        <p:cNvGrpSpPr/>
-        <p:nvPr/>
-      </p:nvGrpSpPr>
-      <p:grpSpPr>
-        <a:xfrm>
-          <a:off x="0" y="0"/>
-          <a:ext cx="0" cy="0"/>
-          <a:chOff x="0" y="0"/>
-          <a:chExt cx="0" cy="0"/>
-        </a:xfrm>
-      </p:grpSpPr>
-      <p:sp>
-        <p:nvSpPr>
-          <p:cNvPr id="2" name="标题 1">
-            <a:extLst>
-              <a:ext uri="{FF2B5EF4-FFF2-40B4-BE49-F238E27FC236}">
-                <a16:creationId xmlns:a16="http://schemas.microsoft.com/office/drawing/2014/main" id="{8F7B7511-1540-48BA-8494-BDECE78B014C}"/>
-              </a:ext>
-            </a:extLst>
-          </p:cNvPr>
-          <p:cNvSpPr>
-            <a:spLocks noGrp="1"/>
-          </p:cNvSpPr>
-          <p:nvPr>
-            <p:ph type="title"/>
-          </p:nvPr>
-        </p:nvSpPr>
-        <p:spPr>
-          <a:xfrm>
-            <a:off x="838200" y="406688"/>
-            <a:ext cx="10515600" cy="1325563"/>
-          </a:xfrm>
-        </p:spPr>
-        <p:txBody>
-          <a:bodyPr/>
-          <a:lstStyle/>
-          <a:p>
-            <a:r>
-              <a:rPr lang="zh-CN" altLang="en-US" dirty="0"/>
-              <a:t>折线图</a:t>
-            </a:r>
-          </a:p>
-        </p:txBody>
-      </p:sp>
-      <p:pic>
-        <p:nvPicPr>
-          <p:cNvPr id="5" name="内容占位符 4">
-            <a:extLst>
-              <a:ext uri="{FF2B5EF4-FFF2-40B4-BE49-F238E27FC236}">
-                <a16:creationId xmlns:a16="http://schemas.microsoft.com/office/drawing/2014/main" id="{92580ECD-E3D1-4688-AB68-E600DDF73D2A}"/>
-              </a:ext>
-            </a:extLst>
-          </p:cNvPr>
-          <p:cNvPicPr>
-            <a:picLocks noGrp="1" noChangeAspect="1"/>
-          </p:cNvPicPr>
-          <p:nvPr>
-            <p:ph idx="1"/>
-          </p:nvPr>
-        </p:nvPicPr>
-        <p:blipFill>
-          <a:blip r:embed="rId2"/>
-          <a:stretch>
-            <a:fillRect/>
-          </a:stretch>
-        </p:blipFill>
-        <p:spPr>
-          <a:xfrm>
-            <a:off x="3022442" y="1946963"/>
-            <a:ext cx="6147116" cy="4108661"/>
-          </a:xfrm>
-        </p:spPr>
-      </p:pic>
-    </p:spTree>
-    <p:extLst>
-      <p:ext uri="{BB962C8B-B14F-4D97-AF65-F5344CB8AC3E}">
-        <p14:creationId xmlns:p14="http://schemas.microsoft.com/office/powerpoint/2010/main" val="1691414110"/>
-      </p:ext>
-    </p:extLst>
-  </p:cSld>
-  <p:clrMapOvr>
-    <a:masterClrMapping/>
-  </p:clrMapOvr>
-</p:sld>
-</file>
-
 <file path=ppt/slides/slide9.xml><?xml version="1.0" encoding="utf-8"?>
 <p:sld xmlns:a="http://schemas.openxmlformats.org/drawingml/2006/main" xmlns:r="http://schemas.openxmlformats.org/officeDocument/2006/relationships" xmlns:p="http://schemas.openxmlformats.org/presentationml/2006/main">
   <p:cSld>
@@ -4470,7 +4405,7 @@
           <p:cNvPr id="2" name="标题 1">
             <a:extLst>
               <a:ext uri="{FF2B5EF4-FFF2-40B4-BE49-F238E27FC236}">
-                <a16:creationId xmlns:a16="http://schemas.microsoft.com/office/drawing/2014/main" id="{3A589003-6EC0-4C1A-AEA7-A63216A4ECE8}"/>
+                <a16:creationId xmlns:a16="http://schemas.microsoft.com/office/drawing/2014/main" id="{488885FB-9D30-4CAF-86A4-D37C5F0CC44A}"/>
               </a:ext>
             </a:extLst>
           </p:cNvPr>
@@ -4488,7 +4423,7 @@
           <a:p>
             <a:r>
               <a:rPr lang="zh-CN" altLang="en-US" dirty="0"/>
-              <a:t>柱状图</a:t>
+              <a:t>饼状图</a:t>
             </a:r>
           </a:p>
         </p:txBody>
@@ -4498,7 +4433,7 @@
           <p:cNvPr id="3" name="内容占位符 2">
             <a:extLst>
               <a:ext uri="{FF2B5EF4-FFF2-40B4-BE49-F238E27FC236}">
-                <a16:creationId xmlns:a16="http://schemas.microsoft.com/office/drawing/2014/main" id="{4046E2DC-1A53-47E8-BD32-E601E75595E9}"/>
+                <a16:creationId xmlns:a16="http://schemas.microsoft.com/office/drawing/2014/main" id="{D9798CB1-82CA-42DC-AD5F-28997A99E550}"/>
               </a:ext>
             </a:extLst>
           </p:cNvPr>
@@ -4514,83 +4449,148 @@
           <a:bodyPr/>
           <a:lstStyle/>
           <a:p>
-            <a:r>
-              <a:rPr lang="en-US" altLang="zh-CN" dirty="0" err="1"/>
+            <a:pPr marL="0" indent="0">
+              <a:buNone/>
+            </a:pPr>
+            <a:r>
+              <a:rPr lang="en-US" altLang="zh-CN" dirty="0" err="1">
+                <a:latin typeface="Consolas" panose="020B0609020204030204" pitchFamily="49" charset="0"/>
+              </a:rPr>
               <a:t>Svg</a:t>
             </a:r>
-            <a:endParaRPr lang="en-US" altLang="zh-CN" dirty="0"/>
-          </a:p>
-          <a:p>
-            <a:endParaRPr lang="en-US" altLang="zh-CN" dirty="0"/>
+            <a:endParaRPr lang="en-US" altLang="zh-CN" dirty="0">
+              <a:latin typeface="Consolas" panose="020B0609020204030204" pitchFamily="49" charset="0"/>
+            </a:endParaRPr>
+          </a:p>
+          <a:p>
+            <a:pPr marL="914400" lvl="2" indent="0">
+              <a:buNone/>
+            </a:pPr>
+            <a:r>
+              <a:rPr lang="en-US" altLang="zh-CN" sz="2800" dirty="0">
+                <a:latin typeface="Consolas" panose="020B0609020204030204" pitchFamily="49" charset="0"/>
+              </a:rPr>
+              <a:t>Polyline </a:t>
+            </a:r>
+            <a:r>
+              <a:rPr lang="zh-CN" altLang="en-US" sz="2800" dirty="0">
+                <a:latin typeface="Consolas" panose="020B0609020204030204" pitchFamily="49" charset="0"/>
+              </a:rPr>
+              <a:t>线段</a:t>
+            </a:r>
+            <a:endParaRPr lang="en-US" altLang="zh-CN" sz="2800" dirty="0">
+              <a:latin typeface="Consolas" panose="020B0609020204030204" pitchFamily="49" charset="0"/>
+            </a:endParaRPr>
+          </a:p>
+          <a:p>
+            <a:pPr marL="914400" lvl="2" indent="0">
+              <a:buNone/>
+            </a:pPr>
+            <a:r>
+              <a:rPr lang="en-US" altLang="zh-CN" sz="2800" dirty="0">
+                <a:latin typeface="Consolas" panose="020B0609020204030204" pitchFamily="49" charset="0"/>
+              </a:rPr>
+              <a:t>Path </a:t>
+            </a:r>
+            <a:r>
+              <a:rPr lang="zh-CN" altLang="en-US" sz="2800" dirty="0">
+                <a:latin typeface="Consolas" panose="020B0609020204030204" pitchFamily="49" charset="0"/>
+              </a:rPr>
+              <a:t>路径</a:t>
+            </a:r>
+            <a:endParaRPr lang="en-US" altLang="zh-CN" sz="2800" dirty="0">
+              <a:latin typeface="Consolas" panose="020B0609020204030204" pitchFamily="49" charset="0"/>
+            </a:endParaRPr>
           </a:p>
           <a:p>
             <a:pPr marL="457200" lvl="1" indent="0">
               <a:buNone/>
             </a:pPr>
-            <a:r>
-              <a:rPr lang="en-US" altLang="zh-CN" dirty="0"/>
-              <a:t>g: </a:t>
-            </a:r>
-            <a:r>
-              <a:rPr lang="zh-CN" altLang="en-US" dirty="0"/>
-              <a:t>分组（图层）</a:t>
-            </a:r>
-            <a:endParaRPr lang="en-US" altLang="zh-CN" dirty="0"/>
-          </a:p>
-          <a:p>
-            <a:pPr marL="457200" lvl="1" indent="0">
+            <a:endParaRPr lang="en-US" altLang="zh-CN" dirty="0">
+              <a:latin typeface="Consolas" panose="020B0609020204030204" pitchFamily="49" charset="0"/>
+            </a:endParaRPr>
+          </a:p>
+          <a:p>
+            <a:pPr marL="0" indent="0">
               <a:buNone/>
             </a:pPr>
             <a:r>
-              <a:rPr lang="en-US" altLang="zh-CN" dirty="0" err="1"/>
-              <a:t>rect</a:t>
-            </a:r>
-            <a:r>
-              <a:rPr lang="en-US" altLang="zh-CN" dirty="0"/>
-              <a:t>: </a:t>
-            </a:r>
-            <a:r>
-              <a:rPr lang="zh-CN" altLang="en-US" dirty="0"/>
-              <a:t>矩形 </a:t>
-            </a:r>
-            <a:r>
-              <a:rPr lang="en-US" altLang="zh-CN" sz="1400" dirty="0">
-                <a:hlinkClick r:id="rId2"/>
+              <a:rPr lang="en-US" altLang="zh-CN" b="0" dirty="0">
+                <a:effectLst/>
+                <a:latin typeface="Consolas" panose="020B0609020204030204" pitchFamily="49" charset="0"/>
               </a:rPr>
-              <a:t>https://www.d3js.org.cn/svg/get_start/#_2-%E7%9F%A9%E5%BD%A2</a:t>
-            </a:r>
-            <a:endParaRPr lang="en-US" altLang="zh-CN" sz="1400" dirty="0"/>
-          </a:p>
-          <a:p>
-            <a:pPr marL="457200" lvl="1" indent="0">
+              <a:t>D3</a:t>
+            </a:r>
+          </a:p>
+          <a:p>
+            <a:pPr marL="0" indent="0">
               <a:buNone/>
             </a:pPr>
-            <a:endParaRPr lang="en-US" altLang="zh-CN" dirty="0"/>
-          </a:p>
-          <a:p>
-            <a:r>
-              <a:rPr lang="en-US" altLang="zh-CN" dirty="0"/>
-              <a:t>D3</a:t>
-            </a:r>
-          </a:p>
-          <a:p>
-            <a:pPr lvl="1"/>
-            <a:r>
-              <a:rPr lang="en-US" altLang="zh-CN" dirty="0"/>
-              <a:t>Line </a:t>
-            </a:r>
-            <a:r>
-              <a:rPr lang="zh-CN" altLang="en-US" dirty="0"/>
-              <a:t>线条生成器</a:t>
-            </a:r>
-            <a:endParaRPr lang="en-US" altLang="zh-CN" dirty="0"/>
+            <a:r>
+              <a:rPr lang="en-US" altLang="zh-CN" dirty="0">
+                <a:latin typeface="Consolas" panose="020B0609020204030204" pitchFamily="49" charset="0"/>
+              </a:rPr>
+              <a:t>	arc </a:t>
+            </a:r>
+            <a:r>
+              <a:rPr lang="zh-CN" altLang="en-US" dirty="0">
+                <a:latin typeface="Consolas" panose="020B0609020204030204" pitchFamily="49" charset="0"/>
+              </a:rPr>
+              <a:t>弧形生成器</a:t>
+            </a:r>
+            <a:endParaRPr lang="en-US" altLang="zh-CN" dirty="0">
+              <a:latin typeface="Consolas" panose="020B0609020204030204" pitchFamily="49" charset="0"/>
+            </a:endParaRPr>
+          </a:p>
+          <a:p>
+            <a:pPr marL="0" indent="0">
+              <a:buNone/>
+            </a:pPr>
+            <a:r>
+              <a:rPr lang="en-US" altLang="zh-CN" b="0" dirty="0">
+                <a:effectLst/>
+                <a:latin typeface="Consolas" panose="020B0609020204030204" pitchFamily="49" charset="0"/>
+              </a:rPr>
+              <a:t>	pie </a:t>
+            </a:r>
+            <a:r>
+              <a:rPr lang="zh-CN" altLang="en-US" dirty="0">
+                <a:latin typeface="Consolas" panose="020B0609020204030204" pitchFamily="49" charset="0"/>
+              </a:rPr>
+              <a:t>角度信息生成器</a:t>
+            </a:r>
+            <a:endParaRPr lang="en-US" altLang="zh-CN" b="0" dirty="0">
+              <a:effectLst/>
+              <a:latin typeface="Consolas" panose="020B0609020204030204" pitchFamily="49" charset="0"/>
+            </a:endParaRPr>
+          </a:p>
+          <a:p>
+            <a:pPr marL="0" indent="0">
+              <a:buNone/>
+            </a:pPr>
+            <a:r>
+              <a:rPr lang="en-US" altLang="zh-CN" dirty="0">
+                <a:latin typeface="Consolas" panose="020B0609020204030204" pitchFamily="49" charset="0"/>
+              </a:rPr>
+              <a:t>	</a:t>
+            </a:r>
+            <a:endParaRPr lang="en-US" altLang="zh-CN" b="0" dirty="0">
+              <a:effectLst/>
+              <a:latin typeface="Consolas" panose="020B0609020204030204" pitchFamily="49" charset="0"/>
+            </a:endParaRPr>
+          </a:p>
+          <a:p>
+            <a:pPr marL="0" indent="0">
+              <a:buNone/>
+            </a:pPr>
+            <a:endParaRPr lang="zh-CN" altLang="en-US" dirty="0"/>
           </a:p>
         </p:txBody>
       </p:sp>
     </p:spTree>
     <p:extLst>
       <p:ext uri="{BB962C8B-B14F-4D97-AF65-F5344CB8AC3E}">
-        <p14:creationId xmlns:p14="http://schemas.microsoft.com/office/powerpoint/2010/main" val="2479781013"/>
+        <p14:creationId xmlns:p14="http://schemas.microsoft.com/office/powerpoint/2010/main" val="3020139620"/>
       </p:ext>
     </p:extLst>
   </p:cSld>
